--- a/WebVirtue.pptx
+++ b/WebVirtue.pptx
@@ -117,6 +117,22 @@
       </a:defRPr>
     </a:lvl9pPr>
   </p:defaultTextStyle>
+  <p:extLst>
+    <p:ext uri="{EFAFB233-063F-42B5-8137-9DF3F51BA10A}">
+      <p15:sldGuideLst xmlns:p15="http://schemas.microsoft.com/office/powerpoint/2012/main">
+        <p15:guide id="1" orient="horz" pos="2160">
+          <p15:clr>
+            <a:srgbClr val="A4A3A4"/>
+          </p15:clr>
+        </p15:guide>
+        <p15:guide id="2" pos="2880">
+          <p15:clr>
+            <a:srgbClr val="A4A3A4"/>
+          </p15:clr>
+        </p15:guide>
+      </p15:sldGuideLst>
+    </p:ext>
+  </p:extLst>
 </p:presentation>
 </file>
 
@@ -301,7 +317,7 @@
           <a:p>
             <a:fld id="{1571A2F9-2FDA-4664-830D-2EBB50632605}" type="datetimeFigureOut">
               <a:rPr lang="en-US" smtClean="0"/>
-              <a:t>5/31/2017</a:t>
+              <a:t>6/1/2017</a:t>
             </a:fld>
             <a:endParaRPr lang="en-US"/>
           </a:p>
@@ -466,7 +482,7 @@
           <a:p>
             <a:fld id="{1571A2F9-2FDA-4664-830D-2EBB50632605}" type="datetimeFigureOut">
               <a:rPr lang="en-US" smtClean="0"/>
-              <a:t>5/31/2017</a:t>
+              <a:t>6/1/2017</a:t>
             </a:fld>
             <a:endParaRPr lang="en-US"/>
           </a:p>
@@ -641,7 +657,7 @@
           <a:p>
             <a:fld id="{1571A2F9-2FDA-4664-830D-2EBB50632605}" type="datetimeFigureOut">
               <a:rPr lang="en-US" smtClean="0"/>
-              <a:t>5/31/2017</a:t>
+              <a:t>6/1/2017</a:t>
             </a:fld>
             <a:endParaRPr lang="en-US"/>
           </a:p>
@@ -806,7 +822,7 @@
           <a:p>
             <a:fld id="{1571A2F9-2FDA-4664-830D-2EBB50632605}" type="datetimeFigureOut">
               <a:rPr lang="en-US" smtClean="0"/>
-              <a:t>5/31/2017</a:t>
+              <a:t>6/1/2017</a:t>
             </a:fld>
             <a:endParaRPr lang="en-US"/>
           </a:p>
@@ -1047,7 +1063,7 @@
           <a:p>
             <a:fld id="{1571A2F9-2FDA-4664-830D-2EBB50632605}" type="datetimeFigureOut">
               <a:rPr lang="en-US" smtClean="0"/>
-              <a:t>5/31/2017</a:t>
+              <a:t>6/1/2017</a:t>
             </a:fld>
             <a:endParaRPr lang="en-US"/>
           </a:p>
@@ -1330,7 +1346,7 @@
           <a:p>
             <a:fld id="{1571A2F9-2FDA-4664-830D-2EBB50632605}" type="datetimeFigureOut">
               <a:rPr lang="en-US" smtClean="0"/>
-              <a:t>5/31/2017</a:t>
+              <a:t>6/1/2017</a:t>
             </a:fld>
             <a:endParaRPr lang="en-US"/>
           </a:p>
@@ -1747,7 +1763,7 @@
           <a:p>
             <a:fld id="{1571A2F9-2FDA-4664-830D-2EBB50632605}" type="datetimeFigureOut">
               <a:rPr lang="en-US" smtClean="0"/>
-              <a:t>5/31/2017</a:t>
+              <a:t>6/1/2017</a:t>
             </a:fld>
             <a:endParaRPr lang="en-US"/>
           </a:p>
@@ -1860,7 +1876,7 @@
           <a:p>
             <a:fld id="{1571A2F9-2FDA-4664-830D-2EBB50632605}" type="datetimeFigureOut">
               <a:rPr lang="en-US" smtClean="0"/>
-              <a:t>5/31/2017</a:t>
+              <a:t>6/1/2017</a:t>
             </a:fld>
             <a:endParaRPr lang="en-US"/>
           </a:p>
@@ -1950,7 +1966,7 @@
           <a:p>
             <a:fld id="{1571A2F9-2FDA-4664-830D-2EBB50632605}" type="datetimeFigureOut">
               <a:rPr lang="en-US" smtClean="0"/>
-              <a:t>5/31/2017</a:t>
+              <a:t>6/1/2017</a:t>
             </a:fld>
             <a:endParaRPr lang="en-US"/>
           </a:p>
@@ -2222,7 +2238,7 @@
           <a:p>
             <a:fld id="{1571A2F9-2FDA-4664-830D-2EBB50632605}" type="datetimeFigureOut">
               <a:rPr lang="en-US" smtClean="0"/>
-              <a:t>5/31/2017</a:t>
+              <a:t>6/1/2017</a:t>
             </a:fld>
             <a:endParaRPr lang="en-US"/>
           </a:p>
@@ -2470,7 +2486,7 @@
           <a:p>
             <a:fld id="{1571A2F9-2FDA-4664-830D-2EBB50632605}" type="datetimeFigureOut">
               <a:rPr lang="en-US" smtClean="0"/>
-              <a:t>5/31/2017</a:t>
+              <a:t>6/1/2017</a:t>
             </a:fld>
             <a:endParaRPr lang="en-US"/>
           </a:p>
@@ -2678,7 +2694,7 @@
           <a:p>
             <a:fld id="{1571A2F9-2FDA-4664-830D-2EBB50632605}" type="datetimeFigureOut">
               <a:rPr lang="en-US" smtClean="0"/>
-              <a:t>5/31/2017</a:t>
+              <a:t>6/1/2017</a:t>
             </a:fld>
             <a:endParaRPr lang="en-US"/>
           </a:p>
@@ -3393,7 +3409,186 @@
           <a:bodyPr/>
           <a:lstStyle/>
           <a:p>
-            <a:endParaRPr lang="en-US"/>
+            <a:r>
+              <a:rPr lang="en-US" sz="2400" i="1" dirty="0"/>
+              <a:t>Creating Report and Test Objects.</a:t>
+            </a:r>
+          </a:p>
+          <a:p>
+            <a:pPr lvl="1"/>
+            <a:r>
+              <a:rPr lang="en-US" sz="2500" dirty="0">
+                <a:solidFill>
+                  <a:schemeClr val="tx1">
+                    <a:tint val="75000"/>
+                  </a:schemeClr>
+                </a:solidFill>
+              </a:rPr>
+              <a:t>extent = new </a:t>
+            </a:r>
+            <a:r>
+              <a:rPr lang="en-US" sz="2500" dirty="0" err="1">
+                <a:solidFill>
+                  <a:schemeClr val="tx1">
+                    <a:tint val="75000"/>
+                  </a:schemeClr>
+                </a:solidFill>
+              </a:rPr>
+              <a:t>ExtentReports</a:t>
+            </a:r>
+            <a:r>
+              <a:rPr lang="en-US" sz="2500" dirty="0">
+                <a:solidFill>
+                  <a:schemeClr val="tx1">
+                    <a:tint val="75000"/>
+                  </a:schemeClr>
+                </a:solidFill>
+              </a:rPr>
+              <a:t>(</a:t>
+            </a:r>
+            <a:r>
+              <a:rPr lang="en-US" sz="2500" dirty="0" err="1">
+                <a:solidFill>
+                  <a:schemeClr val="tx1">
+                    <a:tint val="75000"/>
+                  </a:schemeClr>
+                </a:solidFill>
+              </a:rPr>
+              <a:t>System.getProperty</a:t>
+            </a:r>
+            <a:r>
+              <a:rPr lang="en-US" sz="2500" dirty="0">
+                <a:solidFill>
+                  <a:schemeClr val="tx1">
+                    <a:tint val="75000"/>
+                  </a:schemeClr>
+                </a:solidFill>
+              </a:rPr>
+              <a:t>("</a:t>
+            </a:r>
+            <a:r>
+              <a:rPr lang="en-US" sz="2500" dirty="0" err="1">
+                <a:solidFill>
+                  <a:schemeClr val="tx1">
+                    <a:tint val="75000"/>
+                  </a:schemeClr>
+                </a:solidFill>
+              </a:rPr>
+              <a:t>user.dir</a:t>
+            </a:r>
+            <a:r>
+              <a:rPr lang="en-US" sz="2500" dirty="0">
+                <a:solidFill>
+                  <a:schemeClr val="tx1">
+                    <a:tint val="75000"/>
+                  </a:schemeClr>
+                </a:solidFill>
+              </a:rPr>
+              <a:t>") + </a:t>
+            </a:r>
+            <a:r>
+              <a:rPr lang="en-US" sz="2500" dirty="0" err="1">
+                <a:solidFill>
+                  <a:schemeClr val="tx1">
+                    <a:tint val="75000"/>
+                  </a:schemeClr>
+                </a:solidFill>
+              </a:rPr>
+              <a:t>File.separator</a:t>
+            </a:r>
+            <a:r>
+              <a:rPr lang="en-US" sz="2500" dirty="0">
+                <a:solidFill>
+                  <a:schemeClr val="tx1">
+                    <a:tint val="75000"/>
+                  </a:schemeClr>
+                </a:solidFill>
+              </a:rPr>
+              <a:t> + "STMExtentReport.html", true);</a:t>
+            </a:r>
+          </a:p>
+          <a:p>
+            <a:pPr lvl="1"/>
+            <a:r>
+              <a:rPr lang="en-US" sz="2500" dirty="0" err="1">
+                <a:solidFill>
+                  <a:schemeClr val="tx1">
+                    <a:tint val="75000"/>
+                  </a:schemeClr>
+                </a:solidFill>
+              </a:rPr>
+              <a:t>ExtentTest</a:t>
+            </a:r>
+            <a:r>
+              <a:rPr lang="en-US" sz="2500" dirty="0">
+                <a:solidFill>
+                  <a:schemeClr val="tx1">
+                    <a:tint val="75000"/>
+                  </a:schemeClr>
+                </a:solidFill>
+              </a:rPr>
+              <a:t> </a:t>
+            </a:r>
+            <a:r>
+              <a:rPr lang="en-US" sz="2500" dirty="0">
+                <a:solidFill>
+                  <a:schemeClr val="tx1">
+                    <a:tint val="75000"/>
+                  </a:schemeClr>
+                </a:solidFill>
+              </a:rPr>
+              <a:t>logger= </a:t>
+            </a:r>
+            <a:r>
+              <a:rPr lang="en-US" sz="2500" dirty="0" err="1">
+                <a:solidFill>
+                  <a:schemeClr val="tx1">
+                    <a:tint val="75000"/>
+                  </a:schemeClr>
+                </a:solidFill>
+              </a:rPr>
+              <a:t>extent.startTest</a:t>
+            </a:r>
+            <a:r>
+              <a:rPr lang="en-US" sz="2500" dirty="0">
+                <a:solidFill>
+                  <a:schemeClr val="tx1">
+                    <a:tint val="75000"/>
+                  </a:schemeClr>
+                </a:solidFill>
+              </a:rPr>
+              <a:t>("First Test</a:t>
+            </a:r>
+            <a:r>
+              <a:rPr lang="en-US" sz="2500" dirty="0">
+                <a:solidFill>
+                  <a:schemeClr val="tx1">
+                    <a:tint val="75000"/>
+                  </a:schemeClr>
+                </a:solidFill>
+              </a:rPr>
+              <a:t>");</a:t>
+            </a:r>
+          </a:p>
+          <a:p>
+            <a:pPr marL="457200" lvl="1" indent="0">
+              <a:buNone/>
+            </a:pPr>
+            <a:endParaRPr lang="en-US" sz="2000" i="1" dirty="0" smtClean="0"/>
+          </a:p>
+          <a:p>
+            <a:r>
+              <a:rPr lang="en-US" sz="2400" i="1" dirty="0" smtClean="0"/>
+              <a:t>TestNG After Class.</a:t>
+            </a:r>
+            <a:endParaRPr lang="en-US" i="1" dirty="0"/>
+          </a:p>
+          <a:p>
+            <a:r>
+              <a:rPr lang="en-US" sz="2400" i="1" dirty="0"/>
+              <a:t>Listeners </a:t>
+            </a:r>
+            <a:endParaRPr lang="en-US" sz="2400" i="1" dirty="0"/>
           </a:p>
         </p:txBody>
       </p:sp>
@@ -3457,10 +3652,203 @@
         </p:nvSpPr>
         <p:spPr/>
         <p:txBody>
-          <a:bodyPr/>
-          <a:lstStyle/>
-          <a:p>
-            <a:endParaRPr lang="en-US"/>
+          <a:bodyPr>
+            <a:normAutofit fontScale="92500" lnSpcReduction="20000"/>
+          </a:bodyPr>
+          <a:lstStyle/>
+          <a:p>
+            <a:endParaRPr lang="en-US" sz="2500" dirty="0" smtClean="0">
+              <a:solidFill>
+                <a:schemeClr val="tx1">
+                  <a:tint val="75000"/>
+                </a:schemeClr>
+              </a:solidFill>
+            </a:endParaRPr>
+          </a:p>
+          <a:p>
+            <a:r>
+              <a:rPr lang="en-US" sz="2500" dirty="0" smtClean="0">
+                <a:solidFill>
+                  <a:schemeClr val="tx1">
+                    <a:tint val="75000"/>
+                  </a:schemeClr>
+                </a:solidFill>
+              </a:rPr>
+              <a:t>Application Dependent.</a:t>
+            </a:r>
+          </a:p>
+          <a:p>
+            <a:r>
+              <a:rPr lang="en-US" sz="2500" dirty="0" smtClean="0">
+                <a:solidFill>
+                  <a:schemeClr val="tx1">
+                    <a:tint val="75000"/>
+                  </a:schemeClr>
+                </a:solidFill>
+              </a:rPr>
+              <a:t>Usage and Use Cases.</a:t>
+            </a:r>
+          </a:p>
+          <a:p>
+            <a:r>
+              <a:rPr lang="en-US" sz="2500" dirty="0" smtClean="0">
+                <a:solidFill>
+                  <a:schemeClr val="tx1">
+                    <a:tint val="75000"/>
+                  </a:schemeClr>
+                </a:solidFill>
+              </a:rPr>
+              <a:t>Type of Framework.</a:t>
+            </a:r>
+            <a:endParaRPr lang="en-US" sz="2500" dirty="0">
+              <a:solidFill>
+                <a:schemeClr val="tx1">
+                  <a:tint val="75000"/>
+                </a:schemeClr>
+              </a:solidFill>
+            </a:endParaRPr>
+          </a:p>
+          <a:p>
+            <a:pPr marL="0" indent="0">
+              <a:buNone/>
+            </a:pPr>
+            <a:endParaRPr lang="en-US" sz="2500" dirty="0">
+              <a:solidFill>
+                <a:schemeClr val="tx1">
+                  <a:tint val="75000"/>
+                </a:schemeClr>
+              </a:solidFill>
+            </a:endParaRPr>
+          </a:p>
+          <a:p>
+            <a:r>
+              <a:rPr lang="en-US" sz="2500" b="1" dirty="0" smtClean="0"/>
+              <a:t>Commonly Used Approaches.</a:t>
+            </a:r>
+          </a:p>
+          <a:p>
+            <a:pPr lvl="1"/>
+            <a:r>
+              <a:rPr lang="en-US" sz="2100" dirty="0" smtClean="0">
+                <a:solidFill>
+                  <a:schemeClr val="tx1">
+                    <a:tint val="75000"/>
+                  </a:schemeClr>
+                </a:solidFill>
+              </a:rPr>
+              <a:t>POM – Page Object Model.</a:t>
+            </a:r>
+          </a:p>
+          <a:p>
+            <a:pPr lvl="1"/>
+            <a:r>
+              <a:rPr lang="en-US" sz="2100" dirty="0" smtClean="0">
+                <a:solidFill>
+                  <a:schemeClr val="tx1">
+                    <a:tint val="75000"/>
+                  </a:schemeClr>
+                </a:solidFill>
+              </a:rPr>
+              <a:t>Linear Scripting . </a:t>
+            </a:r>
+          </a:p>
+          <a:p>
+            <a:pPr lvl="1"/>
+            <a:r>
+              <a:rPr lang="en-US" sz="2100" dirty="0" smtClean="0">
+                <a:solidFill>
+                  <a:schemeClr val="tx1">
+                    <a:tint val="75000"/>
+                  </a:schemeClr>
+                </a:solidFill>
+              </a:rPr>
+              <a:t>Modular </a:t>
+            </a:r>
+            <a:r>
+              <a:rPr lang="en-US" sz="2100" dirty="0">
+                <a:solidFill>
+                  <a:schemeClr val="tx1">
+                    <a:tint val="75000"/>
+                  </a:schemeClr>
+                </a:solidFill>
+              </a:rPr>
+              <a:t>Approach.</a:t>
+            </a:r>
+          </a:p>
+          <a:p>
+            <a:pPr lvl="1"/>
+            <a:r>
+              <a:rPr lang="en-US" sz="2100" dirty="0">
+                <a:solidFill>
+                  <a:schemeClr val="tx1">
+                    <a:tint val="75000"/>
+                  </a:schemeClr>
+                </a:solidFill>
+              </a:rPr>
+              <a:t>Data Driven</a:t>
+            </a:r>
+          </a:p>
+          <a:p>
+            <a:pPr lvl="1"/>
+            <a:r>
+              <a:rPr lang="en-US" sz="2100" dirty="0">
+                <a:solidFill>
+                  <a:schemeClr val="tx1">
+                    <a:tint val="75000"/>
+                  </a:schemeClr>
+                </a:solidFill>
+              </a:rPr>
+              <a:t>Key-Word Driven</a:t>
+            </a:r>
+            <a:r>
+              <a:rPr lang="en-US" sz="2100" dirty="0" smtClean="0">
+                <a:solidFill>
+                  <a:schemeClr val="tx1">
+                    <a:tint val="75000"/>
+                  </a:schemeClr>
+                </a:solidFill>
+              </a:rPr>
+              <a:t>.</a:t>
+            </a:r>
+          </a:p>
+          <a:p>
+            <a:pPr lvl="1"/>
+            <a:r>
+              <a:rPr lang="en-US" sz="2100" dirty="0" smtClean="0">
+                <a:solidFill>
+                  <a:schemeClr val="tx1">
+                    <a:tint val="75000"/>
+                  </a:schemeClr>
+                </a:solidFill>
+              </a:rPr>
+              <a:t>Hybrid Approach.</a:t>
+            </a:r>
+            <a:endParaRPr lang="en-US" sz="2100" dirty="0">
+              <a:solidFill>
+                <a:schemeClr val="tx1">
+                  <a:tint val="75000"/>
+                </a:schemeClr>
+              </a:solidFill>
+            </a:endParaRPr>
+          </a:p>
+          <a:p>
+            <a:pPr lvl="1"/>
+            <a:r>
+              <a:rPr lang="en-US" sz="2100" dirty="0">
+                <a:solidFill>
+                  <a:schemeClr val="tx1">
+                    <a:tint val="75000"/>
+                  </a:schemeClr>
+                </a:solidFill>
+              </a:rPr>
+              <a:t>Libraries based approach </a:t>
+            </a:r>
+          </a:p>
+          <a:p>
+            <a:endParaRPr lang="en-US" dirty="0" smtClean="0"/>
+          </a:p>
+          <a:p>
+            <a:endParaRPr lang="en-US" dirty="0"/>
           </a:p>
         </p:txBody>
       </p:sp>
@@ -3524,10 +3912,159 @@
         </p:nvSpPr>
         <p:spPr/>
         <p:txBody>
-          <a:bodyPr/>
-          <a:lstStyle/>
-          <a:p>
-            <a:endParaRPr lang="en-US"/>
+          <a:bodyPr>
+            <a:normAutofit/>
+          </a:bodyPr>
+          <a:lstStyle/>
+          <a:p>
+            <a:r>
+              <a:rPr lang="en-US" sz="2300" dirty="0">
+                <a:solidFill>
+                  <a:schemeClr val="tx1">
+                    <a:tint val="75000"/>
+                  </a:schemeClr>
+                </a:solidFill>
+              </a:rPr>
+              <a:t>Cross  - </a:t>
+            </a:r>
+            <a:r>
+              <a:rPr lang="en-US" sz="2300" dirty="0">
+                <a:solidFill>
+                  <a:schemeClr val="tx1">
+                    <a:tint val="75000"/>
+                  </a:schemeClr>
+                </a:solidFill>
+              </a:rPr>
+              <a:t>Browser</a:t>
+            </a:r>
+            <a:r>
+              <a:rPr lang="en-US" sz="2300" dirty="0">
+                <a:solidFill>
+                  <a:schemeClr val="tx1">
+                    <a:tint val="75000"/>
+                  </a:schemeClr>
+                </a:solidFill>
+              </a:rPr>
+              <a:t> .</a:t>
+            </a:r>
+          </a:p>
+          <a:p>
+            <a:r>
+              <a:rPr lang="en-US" sz="2300" dirty="0">
+                <a:solidFill>
+                  <a:schemeClr val="tx1">
+                    <a:tint val="75000"/>
+                  </a:schemeClr>
+                </a:solidFill>
+              </a:rPr>
+              <a:t>Cross – Platform Testing </a:t>
+            </a:r>
+          </a:p>
+          <a:p>
+            <a:r>
+              <a:rPr lang="en-US" sz="2300" dirty="0">
+                <a:solidFill>
+                  <a:schemeClr val="tx1">
+                    <a:tint val="75000"/>
+                  </a:schemeClr>
+                </a:solidFill>
+              </a:rPr>
+              <a:t>Distributed Testing.</a:t>
+            </a:r>
+          </a:p>
+          <a:p>
+            <a:r>
+              <a:rPr lang="en-US" sz="2300" dirty="0">
+                <a:solidFill>
+                  <a:schemeClr val="tx1">
+                    <a:tint val="75000"/>
+                  </a:schemeClr>
+                </a:solidFill>
+              </a:rPr>
+              <a:t>Integration with Jenkins  for Different Machines.</a:t>
+            </a:r>
+          </a:p>
+          <a:p>
+            <a:r>
+              <a:rPr lang="en-US" sz="2300" dirty="0" smtClean="0">
+                <a:solidFill>
+                  <a:schemeClr val="tx1">
+                    <a:tint val="75000"/>
+                  </a:schemeClr>
+                </a:solidFill>
+              </a:rPr>
+              <a:t>Desired Capabilities </a:t>
+            </a:r>
+            <a:r>
+              <a:rPr lang="en-US" sz="2300" dirty="0">
+                <a:solidFill>
+                  <a:schemeClr val="tx1">
+                    <a:tint val="75000"/>
+                  </a:schemeClr>
+                </a:solidFill>
+              </a:rPr>
+              <a:t>and </a:t>
+            </a:r>
+            <a:r>
+              <a:rPr lang="en-US" sz="2300" dirty="0" smtClean="0">
+                <a:solidFill>
+                  <a:schemeClr val="tx1">
+                    <a:tint val="75000"/>
+                  </a:schemeClr>
+                </a:solidFill>
+              </a:rPr>
+              <a:t>Remote Driver.</a:t>
+            </a:r>
+            <a:endParaRPr lang="en-US" sz="2300" dirty="0">
+              <a:solidFill>
+                <a:schemeClr val="tx1">
+                  <a:tint val="75000"/>
+                </a:schemeClr>
+              </a:solidFill>
+            </a:endParaRPr>
+          </a:p>
+          <a:p>
+            <a:pPr marL="0" indent="0">
+              <a:buNone/>
+            </a:pPr>
+            <a:endParaRPr lang="en-US" sz="2400" i="1" dirty="0" smtClean="0"/>
+          </a:p>
+          <a:p>
+            <a:endParaRPr lang="en-US" sz="2400" i="1" dirty="0"/>
+          </a:p>
+          <a:p>
+            <a:pPr marL="0" indent="0">
+              <a:buNone/>
+            </a:pPr>
+            <a:r>
+              <a:rPr lang="en-US" sz="2800" i="1" dirty="0" smtClean="0"/>
+              <a:t>driver </a:t>
+            </a:r>
+            <a:r>
+              <a:rPr lang="en-US" sz="2800" i="1" dirty="0"/>
+              <a:t>= </a:t>
+            </a:r>
+            <a:r>
+              <a:rPr lang="en-US" sz="2800" b="1" i="1" dirty="0"/>
+              <a:t>new </a:t>
+            </a:r>
+            <a:r>
+              <a:rPr lang="en-US" sz="2800" b="1" i="1" dirty="0" err="1"/>
+              <a:t>RemoteWebDriver</a:t>
+            </a:r>
+            <a:r>
+              <a:rPr lang="en-US" sz="2800" b="1" i="1" dirty="0"/>
+              <a:t>(new URL("http</a:t>
+            </a:r>
+            <a:r>
+              <a:rPr lang="en-US" sz="2800" b="1" i="1" dirty="0" smtClean="0"/>
+              <a:t>://remoteURL:port/wd/hub</a:t>
+            </a:r>
+            <a:r>
+              <a:rPr lang="en-US" sz="2800" b="1" i="1" dirty="0"/>
+              <a:t>"), capabilities);</a:t>
+            </a:r>
+            <a:endParaRPr lang="en-US" sz="2800" dirty="0"/>
           </a:p>
         </p:txBody>
       </p:sp>
@@ -4719,13 +5256,6 @@
               </a:rPr>
               <a:t>Class.</a:t>
             </a:r>
-            <a:endParaRPr lang="en-US" sz="2800" dirty="0">
-              <a:solidFill>
-                <a:schemeClr val="tx1">
-                  <a:tint val="75000"/>
-                </a:schemeClr>
-              </a:solidFill>
-            </a:endParaRPr>
           </a:p>
           <a:p>
             <a:r>
